--- a/LectureMaterials/11-23-Tuesday/cs111-02-optimization.pptx
+++ b/LectureMaterials/11-23-Tuesday/cs111-02-optimization.pptx
@@ -558,14 +558,14 @@
           </a:ln>
           <a:extLst>
             <a:ext uri="{909E8E84-426E-40dd-AFC4-6F175D3DCCD1}">
-              <a14:hiddenFill xmlns:a14="http://schemas.microsoft.com/office/drawing/2010/main" xmlns="">
+              <a14:hiddenFill xmlns="" xmlns:a14="http://schemas.microsoft.com/office/drawing/2010/main">
                 <a:solidFill>
                   <a:srgbClr val="FFFFFF"/>
                 </a:solidFill>
               </a14:hiddenFill>
             </a:ext>
             <a:ext uri="{FAA26D3D-D897-4be2-8F04-BA451C77F1D7}">
-              <ma14:placeholderFlag xmlns:ma14="http://schemas.microsoft.com/office/mac/drawingml/2011/main" xmlns="" val="1"/>
+              <ma14:placeholderFlag xmlns="" xmlns:ma14="http://schemas.microsoft.com/office/mac/drawingml/2011/main" val="1"/>
             </a:ext>
           </a:extLst>
         </p:spPr>
@@ -2597,14 +2597,14 @@
           </a:ln>
           <a:extLst>
             <a:ext uri="{909E8E84-426E-40dd-AFC4-6F175D3DCCD1}">
-              <a14:hiddenFill xmlns:a14="http://schemas.microsoft.com/office/drawing/2010/main" xmlns="">
+              <a14:hiddenFill xmlns="" xmlns:a14="http://schemas.microsoft.com/office/drawing/2010/main">
                 <a:solidFill>
                   <a:srgbClr val="FFFFFF"/>
                 </a:solidFill>
               </a14:hiddenFill>
             </a:ext>
             <a:ext uri="{91240B29-F687-4f45-9708-019B960494DF}">
-              <a14:hiddenLine xmlns:a14="http://schemas.microsoft.com/office/drawing/2010/main" xmlns="" w="12700">
+              <a14:hiddenLine xmlns="" xmlns:a14="http://schemas.microsoft.com/office/drawing/2010/main" w="12700">
                 <a:solidFill>
                   <a:srgbClr val="000000"/>
                 </a:solidFill>
@@ -2614,7 +2614,7 @@
               </a14:hiddenLine>
             </a:ext>
             <a:ext uri="{FAA26D3D-D897-4be2-8F04-BA451C77F1D7}">
-              <ma14:placeholderFlag xmlns:ma14="http://schemas.microsoft.com/office/mac/drawingml/2011/main" xmlns="" val="1"/>
+              <ma14:placeholderFlag xmlns="" xmlns:ma14="http://schemas.microsoft.com/office/mac/drawingml/2011/main" val="1"/>
             </a:ext>
           </a:extLst>
         </p:spPr>
@@ -3234,7 +3234,25 @@
                 </a:solidFill>
                 <a:latin typeface="Arial" charset="0"/>
               </a:rPr>
-              <a:t>Minimize a real-valued function of </a:t>
+              <a:t>Minimize a real-valued function </a:t>
+            </a:r>
+            <a:r>
+              <a:rPr lang="en-US" sz="2800" dirty="0">
+                <a:solidFill>
+                  <a:srgbClr val="FF0000"/>
+                </a:solidFill>
+                <a:latin typeface="Arial" charset="0"/>
+              </a:rPr>
+              <a:t>f</a:t>
+            </a:r>
+            <a:r>
+              <a:rPr lang="en-US" sz="2800" dirty="0">
+                <a:solidFill>
+                  <a:schemeClr val="tx1"/>
+                </a:solidFill>
+                <a:latin typeface="Arial" charset="0"/>
+              </a:rPr>
+              <a:t> of </a:t>
             </a:r>
             <a:r>
               <a:rPr lang="en-US" sz="2800" dirty="0">
@@ -3277,7 +3295,25 @@
                 </a:solidFill>
                 <a:latin typeface="Arial" charset="0"/>
               </a:rPr>
-              <a:t> p = f(x</a:t>
+              <a:t> min</a:t>
+            </a:r>
+            <a:r>
+              <a:rPr lang="en-US" sz="2800" baseline="-25000" dirty="0">
+                <a:solidFill>
+                  <a:srgbClr val="FF0000"/>
+                </a:solidFill>
+                <a:latin typeface="Arial" charset="0"/>
+              </a:rPr>
+              <a:t>x</a:t>
+            </a:r>
+            <a:r>
+              <a:rPr lang="en-US" sz="2800" dirty="0">
+                <a:solidFill>
+                  <a:srgbClr val="FF0000"/>
+                </a:solidFill>
+                <a:latin typeface="Arial" charset="0"/>
+              </a:rPr>
+              <a:t> f(x</a:t>
             </a:r>
             <a:r>
               <a:rPr lang="en-US" sz="2800" baseline="-25000" dirty="0">
@@ -3912,7 +3948,7 @@
                 </a:solidFill>
                 <a:latin typeface="Arial" charset="0"/>
               </a:rPr>
-              <a:t>Training deep neural nets: Best weights  </a:t>
+              <a:t>Training deep neural nets: best weights  </a:t>
             </a:r>
             <a:r>
               <a:rPr lang="en-US" sz="2800" dirty="0">
@@ -3978,255 +4014,76 @@
                 </a:solidFill>
                 <a:latin typeface="Arial" charset="0"/>
               </a:rPr>
-              <a:t>“loss function” =</a:t>
-            </a:r>
-            <a:endParaRPr lang="en-US" baseline="30000" dirty="0">
+              <a:t>“loss function” = </a:t>
+            </a:r>
+            <a:r>
+              <a:rPr lang="en-US" sz="3200" dirty="0">
+                <a:solidFill>
+                  <a:schemeClr val="tx1"/>
+                </a:solidFill>
+                <a:latin typeface="Arial" charset="0"/>
+              </a:rPr>
+              <a:t>∑</a:t>
+            </a:r>
+            <a:r>
+              <a:rPr lang="en-US" sz="2400" dirty="0">
+                <a:solidFill>
+                  <a:schemeClr val="tx1"/>
+                </a:solidFill>
+                <a:latin typeface="Arial" charset="0"/>
+              </a:rPr>
+              <a:t> </a:t>
+            </a:r>
+            <a:r>
+              <a:rPr lang="en-US" sz="2000" dirty="0">
+                <a:solidFill>
+                  <a:srgbClr val="FF0000"/>
+                </a:solidFill>
+                <a:latin typeface="Arial" charset="0"/>
+              </a:rPr>
+              <a:t>(DNN output – right answer)</a:t>
+            </a:r>
+            <a:r>
+              <a:rPr lang="en-US" sz="2000" baseline="30000" dirty="0">
+                <a:solidFill>
+                  <a:srgbClr val="FF0000"/>
+                </a:solidFill>
+                <a:latin typeface="Arial" charset="0"/>
+              </a:rPr>
+              <a:t>2</a:t>
+            </a:r>
+          </a:p>
+          <a:p>
+            <a:pPr marL="457200" lvl="1" indent="0">
+              <a:buNone/>
+            </a:pPr>
+            <a:r>
+              <a:rPr lang="en-US" sz="1600" baseline="30000" dirty="0">
+                <a:solidFill>
+                  <a:srgbClr val="FF0000"/>
+                </a:solidFill>
+                <a:latin typeface="Arial" charset="0"/>
+              </a:rPr>
+              <a:t>                                                                                      </a:t>
+            </a:r>
+            <a:r>
+              <a:rPr lang="en-US" sz="1600" dirty="0">
+                <a:solidFill>
+                  <a:srgbClr val="FF0000"/>
+                </a:solidFill>
+                <a:latin typeface="Arial" charset="0"/>
+              </a:rPr>
+              <a:t>training data</a:t>
+            </a:r>
+            <a:endParaRPr lang="en-US" sz="1600" baseline="30000" dirty="0">
               <a:solidFill>
-                <a:schemeClr val="tx1"/>
+                <a:srgbClr val="FF0000"/>
               </a:solidFill>
               <a:latin typeface="Arial" charset="0"/>
             </a:endParaRPr>
           </a:p>
         </p:txBody>
       </p:sp>
-      <mc:AlternateContent xmlns:mc="http://schemas.openxmlformats.org/markup-compatibility/2006">
-        <mc:Choice xmlns:a14="http://schemas.microsoft.com/office/drawing/2010/main" Requires="a14">
-          <p:sp>
-            <p:nvSpPr>
-              <p:cNvPr id="2" name="TextBox 1">
-                <a:extLst>
-                  <a:ext uri="{FF2B5EF4-FFF2-40B4-BE49-F238E27FC236}">
-                    <a16:creationId xmlns:a16="http://schemas.microsoft.com/office/drawing/2014/main" id="{4EB03E1C-7891-654D-BE45-54BFB22B0E65}"/>
-                  </a:ext>
-                </a:extLst>
-              </p:cNvPr>
-              <p:cNvSpPr txBox="1"/>
-              <p:nvPr/>
-            </p:nvSpPr>
-            <p:spPr>
-              <a:xfrm>
-                <a:off x="3810000" y="5638800"/>
-                <a:ext cx="3116174" cy="901529"/>
-              </a:xfrm>
-              <a:prstGeom prst="rect">
-                <a:avLst/>
-              </a:prstGeom>
-              <a:noFill/>
-            </p:spPr>
-            <p:txBody>
-              <a:bodyPr wrap="none" lIns="0" tIns="0" rIns="0" bIns="0" rtlCol="0">
-                <a:spAutoFit/>
-              </a:bodyPr>
-              <a:lstStyle/>
-              <a:p>
-                <a14:m>
-                  <m:oMathPara xmlns:m="http://schemas.openxmlformats.org/officeDocument/2006/math">
-                    <m:oMathParaPr>
-                      <m:jc m:val="centerGroup"/>
-                    </m:oMathParaPr>
-                    <m:oMath xmlns:m="http://schemas.openxmlformats.org/officeDocument/2006/math">
-                      <m:nary>
-                        <m:naryPr>
-                          <m:chr m:val="∑"/>
-                          <m:supHide m:val="on"/>
-                          <m:ctrlPr>
-                            <a:rPr lang="en-US" sz="2000" i="1" smtClean="0">
-                              <a:solidFill>
-                                <a:srgbClr val="FF0000"/>
-                              </a:solidFill>
-                              <a:latin typeface="Cambria Math" panose="02040503050406030204" pitchFamily="18" charset="0"/>
-                            </a:rPr>
-                          </m:ctrlPr>
-                        </m:naryPr>
-                        <m:sub>
-                          <m:eqArr>
-                            <m:eqArrPr>
-                              <m:ctrlPr>
-                                <a:rPr lang="en-US" sz="2000" b="0" i="1" smtClean="0">
-                                  <a:solidFill>
-                                    <a:srgbClr val="FF0000"/>
-                                  </a:solidFill>
-                                  <a:latin typeface="Cambria Math" panose="02040503050406030204" pitchFamily="18" charset="0"/>
-                                </a:rPr>
-                              </m:ctrlPr>
-                            </m:eqArrPr>
-                            <m:e>
-                              <m:r>
-                                <m:rPr>
-                                  <m:nor/>
-                                  <m:brk m:alnAt="7"/>
-                                </m:rPr>
-                                <a:rPr lang="en-US" sz="2000" b="0" i="0" smtClean="0">
-                                  <a:solidFill>
-                                    <a:srgbClr val="FF0000"/>
-                                  </a:solidFill>
-                                  <a:latin typeface="Cambria Math" panose="02040503050406030204" pitchFamily="18" charset="0"/>
-                                </a:rPr>
-                                <m:t> </m:t>
-                              </m:r>
-                            </m:e>
-                            <m:e>
-                              <m:r>
-                                <m:rPr>
-                                  <m:nor/>
-                                  <m:brk m:alnAt="7"/>
-                                </m:rPr>
-                                <a:rPr lang="en-US" sz="2000" b="0" i="0" smtClean="0">
-                                  <a:solidFill>
-                                    <a:srgbClr val="FF0000"/>
-                                  </a:solidFill>
-                                  <a:latin typeface="Cambria Math" panose="02040503050406030204" pitchFamily="18" charset="0"/>
-                                </a:rPr>
-                                <m:t>training</m:t>
-                              </m:r>
-                              <m:r>
-                                <m:rPr>
-                                  <m:nor/>
-                                </m:rPr>
-                                <a:rPr lang="en-US" sz="2000" b="0" i="0" smtClean="0">
-                                  <a:solidFill>
-                                    <a:srgbClr val="FF0000"/>
-                                  </a:solidFill>
-                                  <a:latin typeface="Cambria Math" panose="02040503050406030204" pitchFamily="18" charset="0"/>
-                                </a:rPr>
-                                <m:t> </m:t>
-                              </m:r>
-                              <m:r>
-                                <m:rPr>
-                                  <m:nor/>
-                                </m:rPr>
-                                <a:rPr lang="en-US" sz="2000" b="0" i="0" smtClean="0">
-                                  <a:solidFill>
-                                    <a:srgbClr val="FF0000"/>
-                                  </a:solidFill>
-                                  <a:latin typeface="Cambria Math" panose="02040503050406030204" pitchFamily="18" charset="0"/>
-                                </a:rPr>
-                                <m:t>data</m:t>
-                              </m:r>
-                            </m:e>
-                          </m:eqArr>
-                        </m:sub>
-                        <m:sup/>
-                        <m:e>
-                          <m:r>
-                            <a:rPr lang="en-US" sz="2000" b="0" i="1" smtClean="0">
-                              <a:solidFill>
-                                <a:srgbClr val="FF0000"/>
-                              </a:solidFill>
-                              <a:latin typeface="Cambria Math" panose="02040503050406030204" pitchFamily="18" charset="0"/>
-                            </a:rPr>
-                            <m:t>|</m:t>
-                          </m:r>
-                          <m:d>
-                            <m:dPr>
-                              <m:begChr m:val="|"/>
-                              <m:endChr m:val="|"/>
-                              <m:ctrlPr>
-                                <a:rPr lang="en-US" sz="2000" b="0" i="1" smtClean="0">
-                                  <a:solidFill>
-                                    <a:srgbClr val="FF0000"/>
-                                  </a:solidFill>
-                                  <a:latin typeface="Cambria Math" panose="02040503050406030204" pitchFamily="18" charset="0"/>
-                                </a:rPr>
-                              </m:ctrlPr>
-                            </m:dPr>
-                            <m:e>
-                              <m:r>
-                                <a:rPr lang="en-US" sz="2000" b="0" i="1" smtClean="0">
-                                  <a:solidFill>
-                                    <a:srgbClr val="FF0000"/>
-                                  </a:solidFill>
-                                  <a:latin typeface="Cambria Math" panose="02040503050406030204" pitchFamily="18" charset="0"/>
-                                </a:rPr>
-                                <m:t> </m:t>
-                              </m:r>
-                              <m:r>
-                                <m:rPr>
-                                  <m:nor/>
-                                </m:rPr>
-                                <a:rPr lang="en-US" sz="2000" b="0" i="0" smtClean="0">
-                                  <a:solidFill>
-                                    <a:srgbClr val="FF0000"/>
-                                  </a:solidFill>
-                                  <a:latin typeface="Cambria Math" panose="02040503050406030204" pitchFamily="18" charset="0"/>
-                                </a:rPr>
-                                <m:t>inaccuracy</m:t>
-                              </m:r>
-                              <m:r>
-                                <a:rPr lang="en-US" sz="2000" b="0" i="1" smtClean="0">
-                                  <a:solidFill>
-                                    <a:srgbClr val="FF0000"/>
-                                  </a:solidFill>
-                                  <a:latin typeface="Cambria Math" panose="02040503050406030204" pitchFamily="18" charset="0"/>
-                                </a:rPr>
-                                <m:t> </m:t>
-                              </m:r>
-                            </m:e>
-                          </m:d>
-                          <m:r>
-                            <a:rPr lang="en-US" sz="2000" b="0" i="1" smtClean="0">
-                              <a:solidFill>
-                                <a:srgbClr val="FF0000"/>
-                              </a:solidFill>
-                              <a:latin typeface="Cambria Math" panose="02040503050406030204" pitchFamily="18" charset="0"/>
-                            </a:rPr>
-                            <m:t>|</m:t>
-                          </m:r>
-                        </m:e>
-                      </m:nary>
-                    </m:oMath>
-                  </m:oMathPara>
-                </a14:m>
-                <a:endParaRPr lang="en-US" sz="2000" dirty="0"/>
-              </a:p>
-            </p:txBody>
-          </p:sp>
-        </mc:Choice>
-        <mc:Fallback>
-          <p:sp>
-            <p:nvSpPr>
-              <p:cNvPr id="2" name="TextBox 1">
-                <a:extLst>
-                  <a:ext uri="{FF2B5EF4-FFF2-40B4-BE49-F238E27FC236}">
-                    <a16:creationId xmlns:a16="http://schemas.microsoft.com/office/drawing/2014/main" id="{4EB03E1C-7891-654D-BE45-54BFB22B0E65}"/>
-                  </a:ext>
-                </a:extLst>
-              </p:cNvPr>
-              <p:cNvSpPr txBox="1">
-                <a:spLocks noRot="1" noChangeAspect="1" noMove="1" noResize="1" noEditPoints="1" noAdjustHandles="1" noChangeArrowheads="1" noChangeShapeType="1" noTextEdit="1"/>
-              </p:cNvSpPr>
-              <p:nvPr/>
-            </p:nvSpPr>
-            <p:spPr>
-              <a:xfrm>
-                <a:off x="3810000" y="5638800"/>
-                <a:ext cx="3116174" cy="901529"/>
-              </a:xfrm>
-              <a:prstGeom prst="rect">
-                <a:avLst/>
-              </a:prstGeom>
-              <a:blipFill>
-                <a:blip r:embed="rId2"/>
-                <a:stretch>
-                  <a:fillRect l="-13061" t="-123944" r="-2449" b="-152113"/>
-                </a:stretch>
-              </a:blipFill>
-            </p:spPr>
-            <p:txBody>
-              <a:bodyPr/>
-              <a:lstStyle/>
-              <a:p>
-                <a:r>
-                  <a:rPr lang="en-US">
-                    <a:noFill/>
-                  </a:rPr>
-                  <a:t> </a:t>
-                </a:r>
-              </a:p>
-            </p:txBody>
-          </p:sp>
-        </mc:Fallback>
-      </mc:AlternateContent>
     </p:spTree>
     <p:extLst>
       <p:ext uri="{BB962C8B-B14F-4D97-AF65-F5344CB8AC3E}">
